--- a/docs/Festival Planner.pptx
+++ b/docs/Festival Planner.pptx
@@ -286,7 +286,8 @@
           <a:p>
             <a:fld id="{E1402FF0-4975-478A-B511-210FDAF8CE75}" type="datetimeFigureOut">
               <a:rPr lang="nl-NL" smtClean="0"/>
-              <a:t>22-3-2011</a:t>
+              <a:pPr/>
+              <a:t>8-4-2011</a:t>
             </a:fld>
             <a:endParaRPr lang="nl-NL"/>
           </a:p>
@@ -328,7 +329,8 @@
           <a:p>
             <a:fld id="{D9F66AC5-CF3B-4368-90D9-D246836C5B8F}" type="slidenum">
               <a:rPr lang="nl-NL" smtClean="0"/>
-              <a:t>‹nr.›</a:t>
+              <a:pPr/>
+              <a:t>‹#›</a:t>
             </a:fld>
             <a:endParaRPr lang="nl-NL"/>
           </a:p>
@@ -451,7 +453,8 @@
           <a:p>
             <a:fld id="{E1402FF0-4975-478A-B511-210FDAF8CE75}" type="datetimeFigureOut">
               <a:rPr lang="nl-NL" smtClean="0"/>
-              <a:t>22-3-2011</a:t>
+              <a:pPr/>
+              <a:t>8-4-2011</a:t>
             </a:fld>
             <a:endParaRPr lang="nl-NL"/>
           </a:p>
@@ -493,7 +496,8 @@
           <a:p>
             <a:fld id="{D9F66AC5-CF3B-4368-90D9-D246836C5B8F}" type="slidenum">
               <a:rPr lang="nl-NL" smtClean="0"/>
-              <a:t>‹nr.›</a:t>
+              <a:pPr/>
+              <a:t>‹#›</a:t>
             </a:fld>
             <a:endParaRPr lang="nl-NL"/>
           </a:p>
@@ -626,7 +630,8 @@
           <a:p>
             <a:fld id="{E1402FF0-4975-478A-B511-210FDAF8CE75}" type="datetimeFigureOut">
               <a:rPr lang="nl-NL" smtClean="0"/>
-              <a:t>22-3-2011</a:t>
+              <a:pPr/>
+              <a:t>8-4-2011</a:t>
             </a:fld>
             <a:endParaRPr lang="nl-NL"/>
           </a:p>
@@ -668,7 +673,8 @@
           <a:p>
             <a:fld id="{D9F66AC5-CF3B-4368-90D9-D246836C5B8F}" type="slidenum">
               <a:rPr lang="nl-NL" smtClean="0"/>
-              <a:t>‹nr.›</a:t>
+              <a:pPr/>
+              <a:t>‹#›</a:t>
             </a:fld>
             <a:endParaRPr lang="nl-NL"/>
           </a:p>
@@ -791,7 +797,8 @@
           <a:p>
             <a:fld id="{E1402FF0-4975-478A-B511-210FDAF8CE75}" type="datetimeFigureOut">
               <a:rPr lang="nl-NL" smtClean="0"/>
-              <a:t>22-3-2011</a:t>
+              <a:pPr/>
+              <a:t>8-4-2011</a:t>
             </a:fld>
             <a:endParaRPr lang="nl-NL"/>
           </a:p>
@@ -833,7 +840,8 @@
           <a:p>
             <a:fld id="{D9F66AC5-CF3B-4368-90D9-D246836C5B8F}" type="slidenum">
               <a:rPr lang="nl-NL" smtClean="0"/>
-              <a:t>‹nr.›</a:t>
+              <a:pPr/>
+              <a:t>‹#›</a:t>
             </a:fld>
             <a:endParaRPr lang="nl-NL"/>
           </a:p>
@@ -1033,7 +1041,8 @@
           <a:p>
             <a:fld id="{E1402FF0-4975-478A-B511-210FDAF8CE75}" type="datetimeFigureOut">
               <a:rPr lang="nl-NL" smtClean="0"/>
-              <a:t>22-3-2011</a:t>
+              <a:pPr/>
+              <a:t>8-4-2011</a:t>
             </a:fld>
             <a:endParaRPr lang="nl-NL"/>
           </a:p>
@@ -1075,7 +1084,8 @@
           <a:p>
             <a:fld id="{D9F66AC5-CF3B-4368-90D9-D246836C5B8F}" type="slidenum">
               <a:rPr lang="nl-NL" smtClean="0"/>
-              <a:t>‹nr.›</a:t>
+              <a:pPr/>
+              <a:t>‹#›</a:t>
             </a:fld>
             <a:endParaRPr lang="nl-NL"/>
           </a:p>
@@ -1297,7 +1307,8 @@
           <a:p>
             <a:fld id="{E1402FF0-4975-478A-B511-210FDAF8CE75}" type="datetimeFigureOut">
               <a:rPr lang="nl-NL" smtClean="0"/>
-              <a:t>22-3-2011</a:t>
+              <a:pPr/>
+              <a:t>8-4-2011</a:t>
             </a:fld>
             <a:endParaRPr lang="nl-NL"/>
           </a:p>
@@ -1339,7 +1350,8 @@
           <a:p>
             <a:fld id="{D9F66AC5-CF3B-4368-90D9-D246836C5B8F}" type="slidenum">
               <a:rPr lang="nl-NL" smtClean="0"/>
-              <a:t>‹nr.›</a:t>
+              <a:pPr/>
+              <a:t>‹#›</a:t>
             </a:fld>
             <a:endParaRPr lang="nl-NL"/>
           </a:p>
@@ -1675,7 +1687,8 @@
           <a:p>
             <a:fld id="{E1402FF0-4975-478A-B511-210FDAF8CE75}" type="datetimeFigureOut">
               <a:rPr lang="nl-NL" smtClean="0"/>
-              <a:t>22-3-2011</a:t>
+              <a:pPr/>
+              <a:t>8-4-2011</a:t>
             </a:fld>
             <a:endParaRPr lang="nl-NL"/>
           </a:p>
@@ -1717,7 +1730,8 @@
           <a:p>
             <a:fld id="{D9F66AC5-CF3B-4368-90D9-D246836C5B8F}" type="slidenum">
               <a:rPr lang="nl-NL" smtClean="0"/>
-              <a:t>‹nr.›</a:t>
+              <a:pPr/>
+              <a:t>‹#›</a:t>
             </a:fld>
             <a:endParaRPr lang="nl-NL"/>
           </a:p>
@@ -1825,7 +1839,8 @@
           <a:p>
             <a:fld id="{E1402FF0-4975-478A-B511-210FDAF8CE75}" type="datetimeFigureOut">
               <a:rPr lang="nl-NL" smtClean="0"/>
-              <a:t>22-3-2011</a:t>
+              <a:pPr/>
+              <a:t>8-4-2011</a:t>
             </a:fld>
             <a:endParaRPr lang="nl-NL"/>
           </a:p>
@@ -1867,7 +1882,8 @@
           <a:p>
             <a:fld id="{D9F66AC5-CF3B-4368-90D9-D246836C5B8F}" type="slidenum">
               <a:rPr lang="nl-NL" smtClean="0"/>
-              <a:t>‹nr.›</a:t>
+              <a:pPr/>
+              <a:t>‹#›</a:t>
             </a:fld>
             <a:endParaRPr lang="nl-NL"/>
           </a:p>
@@ -1915,7 +1931,8 @@
           <a:p>
             <a:fld id="{E1402FF0-4975-478A-B511-210FDAF8CE75}" type="datetimeFigureOut">
               <a:rPr lang="nl-NL" smtClean="0"/>
-              <a:t>22-3-2011</a:t>
+              <a:pPr/>
+              <a:t>8-4-2011</a:t>
             </a:fld>
             <a:endParaRPr lang="nl-NL"/>
           </a:p>
@@ -1957,7 +1974,8 @@
           <a:p>
             <a:fld id="{D9F66AC5-CF3B-4368-90D9-D246836C5B8F}" type="slidenum">
               <a:rPr lang="nl-NL" smtClean="0"/>
-              <a:t>‹nr.›</a:t>
+              <a:pPr/>
+              <a:t>‹#›</a:t>
             </a:fld>
             <a:endParaRPr lang="nl-NL"/>
           </a:p>
@@ -2176,7 +2194,8 @@
           <a:p>
             <a:fld id="{E1402FF0-4975-478A-B511-210FDAF8CE75}" type="datetimeFigureOut">
               <a:rPr lang="nl-NL" smtClean="0"/>
-              <a:t>22-3-2011</a:t>
+              <a:pPr/>
+              <a:t>8-4-2011</a:t>
             </a:fld>
             <a:endParaRPr lang="nl-NL"/>
           </a:p>
@@ -2218,7 +2237,8 @@
           <a:p>
             <a:fld id="{D9F66AC5-CF3B-4368-90D9-D246836C5B8F}" type="slidenum">
               <a:rPr lang="nl-NL" smtClean="0"/>
-              <a:t>‹nr.›</a:t>
+              <a:pPr/>
+              <a:t>‹#›</a:t>
             </a:fld>
             <a:endParaRPr lang="nl-NL"/>
           </a:p>
@@ -2464,7 +2484,8 @@
           <a:p>
             <a:fld id="{E1402FF0-4975-478A-B511-210FDAF8CE75}" type="datetimeFigureOut">
               <a:rPr lang="nl-NL" smtClean="0"/>
-              <a:t>22-3-2011</a:t>
+              <a:pPr/>
+              <a:t>8-4-2011</a:t>
             </a:fld>
             <a:endParaRPr lang="nl-NL"/>
           </a:p>
@@ -2511,7 +2532,8 @@
           <a:p>
             <a:fld id="{D9F66AC5-CF3B-4368-90D9-D246836C5B8F}" type="slidenum">
               <a:rPr lang="nl-NL" smtClean="0"/>
-              <a:t>‹nr.›</a:t>
+              <a:pPr/>
+              <a:t>‹#›</a:t>
             </a:fld>
             <a:endParaRPr lang="nl-NL"/>
           </a:p>
@@ -3235,7 +3257,8 @@
           <a:p>
             <a:fld id="{E1402FF0-4975-478A-B511-210FDAF8CE75}" type="datetimeFigureOut">
               <a:rPr lang="nl-NL" smtClean="0"/>
-              <a:t>22-3-2011</a:t>
+              <a:pPr/>
+              <a:t>8-4-2011</a:t>
             </a:fld>
             <a:endParaRPr lang="nl-NL"/>
           </a:p>
@@ -3313,7 +3336,8 @@
           <a:p>
             <a:fld id="{D9F66AC5-CF3B-4368-90D9-D246836C5B8F}" type="slidenum">
               <a:rPr lang="nl-NL" smtClean="0"/>
-              <a:t>‹nr.›</a:t>
+              <a:pPr/>
+              <a:t>‹#›</a:t>
             </a:fld>
             <a:endParaRPr lang="nl-NL"/>
           </a:p>
@@ -3906,7 +3930,6 @@
               <a:rPr lang="nl-NL" sz="3200" dirty="0" smtClean="0"/>
               <a:t>Team Foxtrot:</a:t>
             </a:r>
-            <a:endParaRPr lang="nl-NL" sz="3200" dirty="0" smtClean="0"/>
           </a:p>
           <a:p>
             <a:pPr algn="l"/>
@@ -4025,21 +4048,13 @@
           <a:p>
             <a:r>
               <a:rPr lang="nl-NL" dirty="0" smtClean="0"/>
-              <a:t>P</a:t>
-            </a:r>
+              <a:t>Projectopdracht</a:t>
+            </a:r>
+          </a:p>
+          <a:p>
             <a:r>
               <a:rPr lang="nl-NL" dirty="0" smtClean="0"/>
-              <a:t>rojectopdracht</a:t>
-            </a:r>
-          </a:p>
-          <a:p>
-            <a:r>
-              <a:rPr lang="nl-NL" dirty="0" smtClean="0"/>
-              <a:t>A</a:t>
-            </a:r>
-            <a:r>
-              <a:rPr lang="nl-NL" dirty="0" smtClean="0"/>
-              <a:t>genda</a:t>
+              <a:t>Agenda</a:t>
             </a:r>
           </a:p>
           <a:p>
@@ -4362,10 +4377,8 @@
       </p:sp>
       <p:pic>
         <p:nvPicPr>
-          <p:cNvPr id="1028" name="Picture 4"/>
-          <p:cNvPicPr>
-            <a:picLocks noChangeAspect="1" noChangeArrowheads="1"/>
-          </p:cNvPicPr>
+          <p:cNvPr id="5" name="Picture 4"/>
+          <p:cNvPicPr/>
           <p:nvPr/>
         </p:nvPicPr>
         <p:blipFill>
@@ -4377,8 +4390,8 @@
         </p:blipFill>
         <p:spPr bwMode="auto">
           <a:xfrm>
-            <a:off x="2987824" y="1628800"/>
-            <a:ext cx="5679153" cy="3826237"/>
+            <a:off x="2843808" y="1700808"/>
+            <a:ext cx="5760720" cy="3982720"/>
           </a:xfrm>
           <a:prstGeom prst="rect">
             <a:avLst/>
@@ -4493,10 +4506,8 @@
       </p:sp>
       <p:pic>
         <p:nvPicPr>
-          <p:cNvPr id="4098" name="Picture 2"/>
-          <p:cNvPicPr>
-            <a:picLocks noChangeAspect="1" noChangeArrowheads="1"/>
-          </p:cNvPicPr>
+          <p:cNvPr id="5" name="Picture 4"/>
+          <p:cNvPicPr/>
           <p:nvPr/>
         </p:nvPicPr>
         <p:blipFill>
@@ -4508,8 +4519,38 @@
         </p:blipFill>
         <p:spPr bwMode="auto">
           <a:xfrm>
-            <a:off x="3491880" y="2132856"/>
-            <a:ext cx="5083287" cy="3816424"/>
+            <a:off x="2771800" y="1844824"/>
+            <a:ext cx="5112648" cy="3814915"/>
+          </a:xfrm>
+          <a:prstGeom prst="rect">
+            <a:avLst/>
+          </a:prstGeom>
+          <a:noFill/>
+          <a:ln w="9525">
+            <a:noFill/>
+            <a:miter lim="800000"/>
+            <a:headEnd/>
+            <a:tailEnd/>
+          </a:ln>
+        </p:spPr>
+      </p:pic>
+      <p:pic>
+        <p:nvPicPr>
+          <p:cNvPr id="6" name="Picture 5"/>
+          <p:cNvPicPr/>
+          <p:nvPr/>
+        </p:nvPicPr>
+        <p:blipFill>
+          <a:blip r:embed="rId3" cstate="print"/>
+          <a:srcRect/>
+          <a:stretch>
+            <a:fillRect/>
+          </a:stretch>
+        </p:blipFill>
+        <p:spPr bwMode="auto">
+          <a:xfrm>
+            <a:off x="7884368" y="1844824"/>
+            <a:ext cx="971600" cy="3850779"/>
           </a:xfrm>
           <a:prstGeom prst="rect">
             <a:avLst/>
